--- a/images/theory_analysis/RabbitMQ_Cluster/RabbitMQ_Cluster.pptx
+++ b/images/theory_analysis/RabbitMQ_Cluster/RabbitMQ_Cluster.pptx
@@ -5,14 +5,13 @@
     <p:sldMasterId id="2147483648" r:id="rId1"/>
   </p:sldMasterIdLst>
   <p:notesMasterIdLst>
-    <p:notesMasterId r:id="rId7"/>
+    <p:notesMasterId r:id="rId6"/>
   </p:notesMasterIdLst>
   <p:sldIdLst>
     <p:sldId id="417" r:id="rId2"/>
     <p:sldId id="421" r:id="rId3"/>
     <p:sldId id="420" r:id="rId4"/>
-    <p:sldId id="419" r:id="rId5"/>
-    <p:sldId id="418" r:id="rId6"/>
+    <p:sldId id="418" r:id="rId5"/>
   </p:sldIdLst>
   <p:sldSz cx="9144000" cy="5143500" type="screen16x9"/>
   <p:notesSz cx="6858000" cy="9144000"/>
@@ -665,7 +664,7 @@
           <a:p>
             <a:fld id="{BA5DFA43-8D57-47FB-BC46-057616015C3B}" type="slidenum">
               <a:rPr lang="ko-KR" altLang="en-US" smtClean="0"/>
-              <a:t>2</a:t>
+              <a:t>3</a:t>
             </a:fld>
             <a:endParaRPr lang="ko-KR" altLang="en-US"/>
           </a:p>
@@ -674,7 +673,7 @@
     </p:spTree>
     <p:extLst>
       <p:ext uri="{BB962C8B-B14F-4D97-AF65-F5344CB8AC3E}">
-        <p14:creationId xmlns:p14="http://schemas.microsoft.com/office/powerpoint/2010/main" val="2643173522"/>
+        <p14:creationId xmlns:p14="http://schemas.microsoft.com/office/powerpoint/2010/main" val="1495486548"/>
       </p:ext>
     </p:extLst>
   </p:cSld>
@@ -765,207 +764,7 @@
           <a:p>
             <a:fld id="{BA5DFA43-8D57-47FB-BC46-057616015C3B}" type="slidenum">
               <a:rPr lang="ko-KR" altLang="en-US" smtClean="0"/>
-              <a:t>3</a:t>
-            </a:fld>
-            <a:endParaRPr lang="ko-KR" altLang="en-US"/>
-          </a:p>
-        </p:txBody>
-      </p:sp>
-    </p:spTree>
-    <p:extLst>
-      <p:ext uri="{BB962C8B-B14F-4D97-AF65-F5344CB8AC3E}">
-        <p14:creationId xmlns:p14="http://schemas.microsoft.com/office/powerpoint/2010/main" val="1495486548"/>
-      </p:ext>
-    </p:extLst>
-  </p:cSld>
-  <p:clrMapOvr>
-    <a:masterClrMapping/>
-  </p:clrMapOvr>
-</p:notes>
-</file>
-
-<file path=ppt/notesSlides/notesSlide4.xml><?xml version="1.0" encoding="utf-8"?>
-<p:notes xmlns:a="http://schemas.openxmlformats.org/drawingml/2006/main" xmlns:r="http://schemas.openxmlformats.org/officeDocument/2006/relationships" xmlns:p="http://schemas.openxmlformats.org/presentationml/2006/main">
-  <p:cSld>
-    <p:spTree>
-      <p:nvGrpSpPr>
-        <p:cNvPr id="1" name=""/>
-        <p:cNvGrpSpPr/>
-        <p:nvPr/>
-      </p:nvGrpSpPr>
-      <p:grpSpPr>
-        <a:xfrm>
-          <a:off x="0" y="0"/>
-          <a:ext cx="0" cy="0"/>
-          <a:chOff x="0" y="0"/>
-          <a:chExt cx="0" cy="0"/>
-        </a:xfrm>
-      </p:grpSpPr>
-      <p:sp>
-        <p:nvSpPr>
-          <p:cNvPr id="2" name="슬라이드 이미지 개체 틀 1"/>
-          <p:cNvSpPr>
-            <a:spLocks noGrp="1" noRot="1" noChangeAspect="1"/>
-          </p:cNvSpPr>
-          <p:nvPr>
-            <p:ph type="sldImg"/>
-          </p:nvPr>
-        </p:nvSpPr>
-        <p:spPr/>
-      </p:sp>
-      <p:sp>
-        <p:nvSpPr>
-          <p:cNvPr id="3" name="슬라이드 노트 개체 틀 2"/>
-          <p:cNvSpPr>
-            <a:spLocks noGrp="1"/>
-          </p:cNvSpPr>
-          <p:nvPr>
-            <p:ph type="body" idx="1"/>
-          </p:nvPr>
-        </p:nvSpPr>
-        <p:spPr/>
-        <p:txBody>
-          <a:bodyPr/>
-          <a:lstStyle/>
-          <a:p>
-            <a:r>
-              <a:rPr lang="en-US" altLang="ko-KR" dirty="0"/>
-              <a:t>1. </a:t>
-            </a:r>
-            <a:r>
-              <a:rPr lang="en-US" altLang="ko-KR" dirty="0" err="1"/>
-              <a:t>AppArmor</a:t>
-            </a:r>
-            <a:r>
-              <a:rPr lang="en-US" altLang="ko-KR" baseline="0" dirty="0"/>
-              <a:t> </a:t>
-            </a:r>
-            <a:r>
-              <a:rPr lang="ko-KR" altLang="en-US" baseline="0" dirty="0"/>
-              <a:t>변경 권한</a:t>
-            </a:r>
-            <a:endParaRPr lang="ko-KR" altLang="en-US" dirty="0"/>
-          </a:p>
-        </p:txBody>
-      </p:sp>
-      <p:sp>
-        <p:nvSpPr>
-          <p:cNvPr id="4" name="슬라이드 번호 개체 틀 3"/>
-          <p:cNvSpPr>
-            <a:spLocks noGrp="1"/>
-          </p:cNvSpPr>
-          <p:nvPr>
-            <p:ph type="sldNum" sz="quarter" idx="10"/>
-          </p:nvPr>
-        </p:nvSpPr>
-        <p:spPr/>
-        <p:txBody>
-          <a:bodyPr/>
-          <a:lstStyle/>
-          <a:p>
-            <a:fld id="{BA5DFA43-8D57-47FB-BC46-057616015C3B}" type="slidenum">
-              <a:rPr lang="ko-KR" altLang="en-US" smtClean="0"/>
               <a:t>4</a:t>
-            </a:fld>
-            <a:endParaRPr lang="ko-KR" altLang="en-US"/>
-          </a:p>
-        </p:txBody>
-      </p:sp>
-    </p:spTree>
-    <p:extLst>
-      <p:ext uri="{BB962C8B-B14F-4D97-AF65-F5344CB8AC3E}">
-        <p14:creationId xmlns:p14="http://schemas.microsoft.com/office/powerpoint/2010/main" val="1083541930"/>
-      </p:ext>
-    </p:extLst>
-  </p:cSld>
-  <p:clrMapOvr>
-    <a:masterClrMapping/>
-  </p:clrMapOvr>
-</p:notes>
-</file>
-
-<file path=ppt/notesSlides/notesSlide5.xml><?xml version="1.0" encoding="utf-8"?>
-<p:notes xmlns:a="http://schemas.openxmlformats.org/drawingml/2006/main" xmlns:r="http://schemas.openxmlformats.org/officeDocument/2006/relationships" xmlns:p="http://schemas.openxmlformats.org/presentationml/2006/main">
-  <p:cSld>
-    <p:spTree>
-      <p:nvGrpSpPr>
-        <p:cNvPr id="1" name=""/>
-        <p:cNvGrpSpPr/>
-        <p:nvPr/>
-      </p:nvGrpSpPr>
-      <p:grpSpPr>
-        <a:xfrm>
-          <a:off x="0" y="0"/>
-          <a:ext cx="0" cy="0"/>
-          <a:chOff x="0" y="0"/>
-          <a:chExt cx="0" cy="0"/>
-        </a:xfrm>
-      </p:grpSpPr>
-      <p:sp>
-        <p:nvSpPr>
-          <p:cNvPr id="2" name="슬라이드 이미지 개체 틀 1"/>
-          <p:cNvSpPr>
-            <a:spLocks noGrp="1" noRot="1" noChangeAspect="1"/>
-          </p:cNvSpPr>
-          <p:nvPr>
-            <p:ph type="sldImg"/>
-          </p:nvPr>
-        </p:nvSpPr>
-        <p:spPr/>
-      </p:sp>
-      <p:sp>
-        <p:nvSpPr>
-          <p:cNvPr id="3" name="슬라이드 노트 개체 틀 2"/>
-          <p:cNvSpPr>
-            <a:spLocks noGrp="1"/>
-          </p:cNvSpPr>
-          <p:nvPr>
-            <p:ph type="body" idx="1"/>
-          </p:nvPr>
-        </p:nvSpPr>
-        <p:spPr/>
-        <p:txBody>
-          <a:bodyPr/>
-          <a:lstStyle/>
-          <a:p>
-            <a:r>
-              <a:rPr lang="en-US" altLang="ko-KR" dirty="0"/>
-              <a:t>1. </a:t>
-            </a:r>
-            <a:r>
-              <a:rPr lang="en-US" altLang="ko-KR" dirty="0" err="1"/>
-              <a:t>AppArmor</a:t>
-            </a:r>
-            <a:r>
-              <a:rPr lang="en-US" altLang="ko-KR" baseline="0" dirty="0"/>
-              <a:t> </a:t>
-            </a:r>
-            <a:r>
-              <a:rPr lang="ko-KR" altLang="en-US" baseline="0" dirty="0"/>
-              <a:t>변경 권한</a:t>
-            </a:r>
-            <a:endParaRPr lang="ko-KR" altLang="en-US" dirty="0"/>
-          </a:p>
-        </p:txBody>
-      </p:sp>
-      <p:sp>
-        <p:nvSpPr>
-          <p:cNvPr id="4" name="슬라이드 번호 개체 틀 3"/>
-          <p:cNvSpPr>
-            <a:spLocks noGrp="1"/>
-          </p:cNvSpPr>
-          <p:nvPr>
-            <p:ph type="sldNum" sz="quarter" idx="10"/>
-          </p:nvPr>
-        </p:nvSpPr>
-        <p:spPr/>
-        <p:txBody>
-          <a:bodyPr/>
-          <a:lstStyle/>
-          <a:p>
-            <a:fld id="{BA5DFA43-8D57-47FB-BC46-057616015C3B}" type="slidenum">
-              <a:rPr lang="ko-KR" altLang="en-US" smtClean="0"/>
-              <a:t>5</a:t>
             </a:fld>
             <a:endParaRPr lang="ko-KR" altLang="en-US"/>
           </a:p>
@@ -3958,10 +3757,10 @@
           <a:p>
             <a:pPr algn="ctr"/>
             <a:r>
-              <a:rPr lang="en-US" altLang="ko-KR" sz="1400"/>
+              <a:rPr lang="en-US" altLang="ko-KR" sz="1400" b="1"/>
               <a:t>RabbitMQ - Disk</a:t>
             </a:r>
-            <a:endParaRPr lang="ko-KR" altLang="en-US" sz="1400" dirty="0"/>
+            <a:endParaRPr lang="ko-KR" altLang="en-US" sz="1400" b="1" dirty="0"/>
           </a:p>
         </p:txBody>
       </p:sp>
@@ -4053,83 +3852,6 @@
       </p:sp>
       <p:cxnSp>
         <p:nvCxnSpPr>
-          <p:cNvPr id="16" name="직선 화살표 연결선 15"/>
-          <p:cNvCxnSpPr>
-            <a:cxnSpLocks/>
-            <a:stCxn id="68" idx="3"/>
-            <a:endCxn id="11" idx="1"/>
-          </p:cNvCxnSpPr>
-          <p:nvPr/>
-        </p:nvCxnSpPr>
-        <p:spPr>
-          <a:xfrm flipV="1">
-            <a:off x="844327" y="1096757"/>
-            <a:ext cx="2410261" cy="1620611"/>
-          </a:xfrm>
-          <a:prstGeom prst="straightConnector1">
-            <a:avLst/>
-          </a:prstGeom>
-          <a:ln w="28575">
-            <a:solidFill>
-              <a:srgbClr val="C00000"/>
-            </a:solidFill>
-            <a:tailEnd type="arrow"/>
-          </a:ln>
-        </p:spPr>
-        <p:style>
-          <a:lnRef idx="1">
-            <a:schemeClr val="dk1"/>
-          </a:lnRef>
-          <a:fillRef idx="0">
-            <a:schemeClr val="dk1"/>
-          </a:fillRef>
-          <a:effectRef idx="0">
-            <a:schemeClr val="dk1"/>
-          </a:effectRef>
-          <a:fontRef idx="minor">
-            <a:schemeClr val="tx1"/>
-          </a:fontRef>
-        </p:style>
-      </p:cxnSp>
-      <p:cxnSp>
-        <p:nvCxnSpPr>
-          <p:cNvPr id="26" name="직선 화살표 연결선 25"/>
-          <p:cNvCxnSpPr>
-            <a:cxnSpLocks/>
-            <a:stCxn id="11" idx="2"/>
-            <a:endCxn id="36" idx="1"/>
-          </p:cNvCxnSpPr>
-          <p:nvPr/>
-        </p:nvCxnSpPr>
-        <p:spPr>
-          <a:xfrm>
-            <a:off x="3784629" y="1274377"/>
-            <a:ext cx="679795" cy="674718"/>
-          </a:xfrm>
-          <a:prstGeom prst="straightConnector1">
-            <a:avLst/>
-          </a:prstGeom>
-          <a:ln w="28575">
-            <a:tailEnd type="arrow"/>
-          </a:ln>
-        </p:spPr>
-        <p:style>
-          <a:lnRef idx="1">
-            <a:schemeClr val="dk1"/>
-          </a:lnRef>
-          <a:fillRef idx="0">
-            <a:schemeClr val="dk1"/>
-          </a:fillRef>
-          <a:effectRef idx="0">
-            <a:schemeClr val="dk1"/>
-          </a:effectRef>
-          <a:fontRef idx="minor">
-            <a:schemeClr val="tx1"/>
-          </a:fontRef>
-        </p:style>
-      </p:cxnSp>
-      <p:cxnSp>
-        <p:nvCxnSpPr>
           <p:cNvPr id="29" name="직선 화살표 연결선 28"/>
           <p:cNvCxnSpPr>
             <a:cxnSpLocks/>
@@ -4147,130 +3869,6 @@
             <a:avLst/>
           </a:prstGeom>
           <a:ln w="28575">
-            <a:tailEnd type="arrow"/>
-          </a:ln>
-        </p:spPr>
-        <p:style>
-          <a:lnRef idx="1">
-            <a:schemeClr val="dk1"/>
-          </a:lnRef>
-          <a:fillRef idx="0">
-            <a:schemeClr val="dk1"/>
-          </a:fillRef>
-          <a:effectRef idx="0">
-            <a:schemeClr val="dk1"/>
-          </a:effectRef>
-          <a:fontRef idx="minor">
-            <a:schemeClr val="tx1"/>
-          </a:fontRef>
-        </p:style>
-      </p:cxnSp>
-      <p:cxnSp>
-        <p:nvCxnSpPr>
-          <p:cNvPr id="32" name="직선 화살표 연결선 31"/>
-          <p:cNvCxnSpPr>
-            <a:cxnSpLocks/>
-            <a:stCxn id="15" idx="3"/>
-            <a:endCxn id="83" idx="1"/>
-          </p:cNvCxnSpPr>
-          <p:nvPr/>
-        </p:nvCxnSpPr>
-        <p:spPr>
-          <a:xfrm>
-            <a:off x="5694839" y="1096758"/>
-            <a:ext cx="2567402" cy="430079"/>
-          </a:xfrm>
-          <a:prstGeom prst="straightConnector1">
-            <a:avLst/>
-          </a:prstGeom>
-          <a:ln w="28575">
-            <a:solidFill>
-              <a:schemeClr val="tx2"/>
-            </a:solidFill>
-            <a:tailEnd type="arrow"/>
-          </a:ln>
-        </p:spPr>
-        <p:style>
-          <a:lnRef idx="1">
-            <a:schemeClr val="dk1"/>
-          </a:lnRef>
-          <a:fillRef idx="0">
-            <a:schemeClr val="dk1"/>
-          </a:fillRef>
-          <a:effectRef idx="0">
-            <a:schemeClr val="dk1"/>
-          </a:effectRef>
-          <a:fontRef idx="minor">
-            <a:schemeClr val="tx1"/>
-          </a:fontRef>
-        </p:style>
-      </p:cxnSp>
-      <p:sp>
-        <p:nvSpPr>
-          <p:cNvPr id="36" name="모서리가 둥근 직사각형 35"/>
-          <p:cNvSpPr/>
-          <p:nvPr/>
-        </p:nvSpPr>
-        <p:spPr>
-          <a:xfrm>
-            <a:off x="4464424" y="1588687"/>
-            <a:ext cx="1230415" cy="720815"/>
-          </a:xfrm>
-          <a:prstGeom prst="roundRect">
-            <a:avLst>
-              <a:gd name="adj" fmla="val 9205"/>
-            </a:avLst>
-          </a:prstGeom>
-        </p:spPr>
-        <p:style>
-          <a:lnRef idx="2">
-            <a:schemeClr val="dk1"/>
-          </a:lnRef>
-          <a:fillRef idx="1">
-            <a:schemeClr val="lt1"/>
-          </a:fillRef>
-          <a:effectRef idx="0">
-            <a:schemeClr val="dk1"/>
-          </a:effectRef>
-          <a:fontRef idx="minor">
-            <a:schemeClr val="dk1"/>
-          </a:fontRef>
-        </p:style>
-        <p:txBody>
-          <a:bodyPr rtlCol="0" anchor="b"/>
-          <a:lstStyle/>
-          <a:p>
-            <a:pPr algn="ctr"/>
-            <a:r>
-              <a:rPr lang="en-US" altLang="ko-KR" sz="1050"/>
-              <a:t>Master Queue B</a:t>
-            </a:r>
-            <a:endParaRPr lang="ko-KR" altLang="en-US" sz="1050" dirty="0"/>
-          </a:p>
-        </p:txBody>
-      </p:sp>
-      <p:cxnSp>
-        <p:nvCxnSpPr>
-          <p:cNvPr id="35" name="직선 화살표 연결선 34"/>
-          <p:cNvCxnSpPr>
-            <a:cxnSpLocks/>
-            <a:stCxn id="15" idx="3"/>
-            <a:endCxn id="88" idx="1"/>
-          </p:cNvCxnSpPr>
-          <p:nvPr/>
-        </p:nvCxnSpPr>
-        <p:spPr>
-          <a:xfrm>
-            <a:off x="5694839" y="1096758"/>
-            <a:ext cx="2567402" cy="1620949"/>
-          </a:xfrm>
-          <a:prstGeom prst="straightConnector1">
-            <a:avLst/>
-          </a:prstGeom>
-          <a:ln w="28575">
-            <a:solidFill>
-              <a:schemeClr val="tx2"/>
-            </a:solidFill>
             <a:tailEnd type="arrow"/>
           </a:ln>
         </p:spPr>
@@ -4387,54 +3985,6 @@
       </p:sp>
       <p:sp>
         <p:nvSpPr>
-          <p:cNvPr id="23" name="직사각형 22">
-            <a:extLst>
-              <a:ext uri="{FF2B5EF4-FFF2-40B4-BE49-F238E27FC236}">
-                <a16:creationId xmlns:a16="http://schemas.microsoft.com/office/drawing/2014/main" id="{57793AB3-A645-4CB3-A646-CCFE9D7A9B3B}"/>
-              </a:ext>
-            </a:extLst>
-          </p:cNvPr>
-          <p:cNvSpPr/>
-          <p:nvPr/>
-        </p:nvSpPr>
-        <p:spPr>
-          <a:xfrm>
-            <a:off x="4568821" y="1696280"/>
-            <a:ext cx="504056" cy="324722"/>
-          </a:xfrm>
-          <a:prstGeom prst="rect">
-            <a:avLst/>
-          </a:prstGeom>
-        </p:spPr>
-        <p:style>
-          <a:lnRef idx="2">
-            <a:schemeClr val="dk1"/>
-          </a:lnRef>
-          <a:fillRef idx="1">
-            <a:schemeClr val="lt1"/>
-          </a:fillRef>
-          <a:effectRef idx="0">
-            <a:schemeClr val="dk1"/>
-          </a:effectRef>
-          <a:fontRef idx="minor">
-            <a:schemeClr val="dk1"/>
-          </a:fontRef>
-        </p:style>
-        <p:txBody>
-          <a:bodyPr rtlCol="0" anchor="ctr"/>
-          <a:lstStyle/>
-          <a:p>
-            <a:pPr algn="ctr"/>
-            <a:r>
-              <a:rPr lang="en-US" altLang="ko-KR" sz="1050"/>
-              <a:t>Msg C</a:t>
-            </a:r>
-            <a:endParaRPr lang="ko-KR" altLang="en-US" sz="1200"/>
-          </a:p>
-        </p:txBody>
-      </p:sp>
-      <p:sp>
-        <p:nvSpPr>
           <p:cNvPr id="51" name="모서리가 둥근 직사각형 7">
             <a:extLst>
               <a:ext uri="{FF2B5EF4-FFF2-40B4-BE49-F238E27FC236}">
@@ -4476,10 +4026,10 @@
           <a:p>
             <a:pPr algn="ctr"/>
             <a:r>
-              <a:rPr lang="en-US" altLang="ko-KR" sz="1400"/>
+              <a:rPr lang="en-US" altLang="ko-KR" sz="1400" b="1"/>
               <a:t>RabbitMQ - RAM</a:t>
             </a:r>
-            <a:endParaRPr lang="ko-KR" altLang="en-US" sz="1400" dirty="0"/>
+            <a:endParaRPr lang="ko-KR" altLang="en-US" sz="1400" b="1" dirty="0"/>
           </a:p>
         </p:txBody>
       </p:sp>
@@ -4533,188 +4083,6 @@
       </p:sp>
       <p:sp>
         <p:nvSpPr>
-          <p:cNvPr id="55" name="모서리가 둥근 직사각형 14">
-            <a:extLst>
-              <a:ext uri="{FF2B5EF4-FFF2-40B4-BE49-F238E27FC236}">
-                <a16:creationId xmlns:a16="http://schemas.microsoft.com/office/drawing/2014/main" id="{E81F050C-046D-4ED5-9DF9-91370976BFA8}"/>
-              </a:ext>
-            </a:extLst>
-          </p:cNvPr>
-          <p:cNvSpPr/>
-          <p:nvPr/>
-        </p:nvSpPr>
-        <p:spPr>
-          <a:xfrm>
-            <a:off x="6440243" y="2968599"/>
-            <a:ext cx="1245403" cy="720813"/>
-          </a:xfrm>
-          <a:prstGeom prst="roundRect">
-            <a:avLst>
-              <a:gd name="adj" fmla="val 10138"/>
-            </a:avLst>
-          </a:prstGeom>
-        </p:spPr>
-        <p:style>
-          <a:lnRef idx="2">
-            <a:schemeClr val="dk1"/>
-          </a:lnRef>
-          <a:fillRef idx="1">
-            <a:schemeClr val="lt1"/>
-          </a:fillRef>
-          <a:effectRef idx="0">
-            <a:schemeClr val="dk1"/>
-          </a:effectRef>
-          <a:fontRef idx="minor">
-            <a:schemeClr val="dk1"/>
-          </a:fontRef>
-        </p:style>
-        <p:txBody>
-          <a:bodyPr rtlCol="0" anchor="b"/>
-          <a:lstStyle/>
-          <a:p>
-            <a:pPr algn="ctr"/>
-            <a:r>
-              <a:rPr lang="en-US" altLang="ko-KR" sz="1050"/>
-              <a:t>Master Queue A</a:t>
-            </a:r>
-            <a:endParaRPr lang="ko-KR" altLang="en-US" sz="1050" dirty="0"/>
-          </a:p>
-        </p:txBody>
-      </p:sp>
-      <p:cxnSp>
-        <p:nvCxnSpPr>
-          <p:cNvPr id="57" name="직선 화살표 연결선 56">
-            <a:extLst>
-              <a:ext uri="{FF2B5EF4-FFF2-40B4-BE49-F238E27FC236}">
-                <a16:creationId xmlns:a16="http://schemas.microsoft.com/office/drawing/2014/main" id="{EE064FDA-0198-4640-9EF6-0FD871726A7E}"/>
-              </a:ext>
-            </a:extLst>
-          </p:cNvPr>
-          <p:cNvCxnSpPr>
-            <a:cxnSpLocks/>
-            <a:stCxn id="53" idx="2"/>
-            <a:endCxn id="60" idx="1"/>
-          </p:cNvCxnSpPr>
-          <p:nvPr/>
-        </p:nvCxnSpPr>
-        <p:spPr>
-          <a:xfrm>
-            <a:off x="5775436" y="3506625"/>
-            <a:ext cx="664807" cy="674718"/>
-          </a:xfrm>
-          <a:prstGeom prst="straightConnector1">
-            <a:avLst/>
-          </a:prstGeom>
-          <a:ln w="28575">
-            <a:tailEnd type="arrow"/>
-          </a:ln>
-        </p:spPr>
-        <p:style>
-          <a:lnRef idx="1">
-            <a:schemeClr val="dk1"/>
-          </a:lnRef>
-          <a:fillRef idx="0">
-            <a:schemeClr val="dk1"/>
-          </a:fillRef>
-          <a:effectRef idx="0">
-            <a:schemeClr val="dk1"/>
-          </a:effectRef>
-          <a:fontRef idx="minor">
-            <a:schemeClr val="tx1"/>
-          </a:fontRef>
-        </p:style>
-      </p:cxnSp>
-      <p:cxnSp>
-        <p:nvCxnSpPr>
-          <p:cNvPr id="58" name="직선 화살표 연결선 57">
-            <a:extLst>
-              <a:ext uri="{FF2B5EF4-FFF2-40B4-BE49-F238E27FC236}">
-                <a16:creationId xmlns:a16="http://schemas.microsoft.com/office/drawing/2014/main" id="{A9EA76E6-5AFA-446A-89BB-92C977AFBA31}"/>
-              </a:ext>
-            </a:extLst>
-          </p:cNvPr>
-          <p:cNvCxnSpPr>
-            <a:cxnSpLocks/>
-            <a:stCxn id="53" idx="3"/>
-            <a:endCxn id="55" idx="1"/>
-          </p:cNvCxnSpPr>
-          <p:nvPr/>
-        </p:nvCxnSpPr>
-        <p:spPr>
-          <a:xfrm>
-            <a:off x="6305476" y="3329005"/>
-            <a:ext cx="134767" cy="1"/>
-          </a:xfrm>
-          <a:prstGeom prst="straightConnector1">
-            <a:avLst/>
-          </a:prstGeom>
-          <a:ln w="28575">
-            <a:tailEnd type="arrow"/>
-          </a:ln>
-        </p:spPr>
-        <p:style>
-          <a:lnRef idx="1">
-            <a:schemeClr val="dk1"/>
-          </a:lnRef>
-          <a:fillRef idx="0">
-            <a:schemeClr val="dk1"/>
-          </a:fillRef>
-          <a:effectRef idx="0">
-            <a:schemeClr val="dk1"/>
-          </a:effectRef>
-          <a:fontRef idx="minor">
-            <a:schemeClr val="tx1"/>
-          </a:fontRef>
-        </p:style>
-      </p:cxnSp>
-      <p:cxnSp>
-        <p:nvCxnSpPr>
-          <p:cNvPr id="59" name="직선 화살표 연결선 58">
-            <a:extLst>
-              <a:ext uri="{FF2B5EF4-FFF2-40B4-BE49-F238E27FC236}">
-                <a16:creationId xmlns:a16="http://schemas.microsoft.com/office/drawing/2014/main" id="{10C43640-DC84-4CD2-B0E1-DE8BAB9710C2}"/>
-              </a:ext>
-            </a:extLst>
-          </p:cNvPr>
-          <p:cNvCxnSpPr>
-            <a:cxnSpLocks/>
-            <a:stCxn id="55" idx="3"/>
-            <a:endCxn id="83" idx="1"/>
-          </p:cNvCxnSpPr>
-          <p:nvPr/>
-        </p:nvCxnSpPr>
-        <p:spPr>
-          <a:xfrm flipV="1">
-            <a:off x="7685646" y="1526837"/>
-            <a:ext cx="576595" cy="1802169"/>
-          </a:xfrm>
-          <a:prstGeom prst="straightConnector1">
-            <a:avLst/>
-          </a:prstGeom>
-          <a:ln w="28575">
-            <a:solidFill>
-              <a:schemeClr val="tx2"/>
-            </a:solidFill>
-            <a:tailEnd type="arrow"/>
-          </a:ln>
-        </p:spPr>
-        <p:style>
-          <a:lnRef idx="1">
-            <a:schemeClr val="dk1"/>
-          </a:lnRef>
-          <a:fillRef idx="0">
-            <a:schemeClr val="dk1"/>
-          </a:fillRef>
-          <a:effectRef idx="0">
-            <a:schemeClr val="dk1"/>
-          </a:effectRef>
-          <a:fontRef idx="minor">
-            <a:schemeClr val="tx1"/>
-          </a:fontRef>
-        </p:style>
-      </p:cxnSp>
-      <p:sp>
-        <p:nvSpPr>
           <p:cNvPr id="60" name="모서리가 둥근 직사각형 35">
             <a:extLst>
               <a:ext uri="{FF2B5EF4-FFF2-40B4-BE49-F238E27FC236}">
@@ -4765,24 +4133,23 @@
       </p:sp>
       <p:cxnSp>
         <p:nvCxnSpPr>
-          <p:cNvPr id="61" name="직선 화살표 연결선 60">
+          <p:cNvPr id="63" name="직선 화살표 연결선 62">
             <a:extLst>
               <a:ext uri="{FF2B5EF4-FFF2-40B4-BE49-F238E27FC236}">
-                <a16:creationId xmlns:a16="http://schemas.microsoft.com/office/drawing/2014/main" id="{AB4D7034-6C7A-461B-9F5F-AB803378062E}"/>
+                <a16:creationId xmlns:a16="http://schemas.microsoft.com/office/drawing/2014/main" id="{00EFBD6A-6BA3-46FA-BE80-9E33EF0B2C6B}"/>
               </a:ext>
             </a:extLst>
           </p:cNvPr>
           <p:cNvCxnSpPr>
             <a:cxnSpLocks/>
-            <a:stCxn id="60" idx="3"/>
-            <a:endCxn id="89" idx="1"/>
+            <a:endCxn id="88" idx="1"/>
           </p:cNvCxnSpPr>
           <p:nvPr/>
         </p:nvCxnSpPr>
         <p:spPr>
           <a:xfrm flipV="1">
-            <a:off x="7685646" y="3905080"/>
-            <a:ext cx="576595" cy="276263"/>
+            <a:off x="3817244" y="2717707"/>
+            <a:ext cx="4444997" cy="1445302"/>
           </a:xfrm>
           <a:prstGeom prst="straightConnector1">
             <a:avLst/>
@@ -4809,100 +4176,6 @@
           </a:fontRef>
         </p:style>
       </p:cxnSp>
-      <p:cxnSp>
-        <p:nvCxnSpPr>
-          <p:cNvPr id="63" name="직선 화살표 연결선 62">
-            <a:extLst>
-              <a:ext uri="{FF2B5EF4-FFF2-40B4-BE49-F238E27FC236}">
-                <a16:creationId xmlns:a16="http://schemas.microsoft.com/office/drawing/2014/main" id="{00EFBD6A-6BA3-46FA-BE80-9E33EF0B2C6B}"/>
-              </a:ext>
-            </a:extLst>
-          </p:cNvPr>
-          <p:cNvCxnSpPr>
-            <a:cxnSpLocks/>
-            <a:stCxn id="55" idx="3"/>
-            <a:endCxn id="88" idx="1"/>
-          </p:cNvCxnSpPr>
-          <p:nvPr/>
-        </p:nvCxnSpPr>
-        <p:spPr>
-          <a:xfrm flipV="1">
-            <a:off x="7685646" y="2717707"/>
-            <a:ext cx="576595" cy="611299"/>
-          </a:xfrm>
-          <a:prstGeom prst="straightConnector1">
-            <a:avLst/>
-          </a:prstGeom>
-          <a:ln w="28575">
-            <a:solidFill>
-              <a:schemeClr val="tx2"/>
-            </a:solidFill>
-            <a:tailEnd type="arrow"/>
-          </a:ln>
-        </p:spPr>
-        <p:style>
-          <a:lnRef idx="1">
-            <a:schemeClr val="dk1"/>
-          </a:lnRef>
-          <a:fillRef idx="0">
-            <a:schemeClr val="dk1"/>
-          </a:fillRef>
-          <a:effectRef idx="0">
-            <a:schemeClr val="dk1"/>
-          </a:effectRef>
-          <a:fontRef idx="minor">
-            <a:schemeClr val="tx1"/>
-          </a:fontRef>
-        </p:style>
-      </p:cxnSp>
-      <p:sp>
-        <p:nvSpPr>
-          <p:cNvPr id="64" name="직사각형 63">
-            <a:extLst>
-              <a:ext uri="{FF2B5EF4-FFF2-40B4-BE49-F238E27FC236}">
-                <a16:creationId xmlns:a16="http://schemas.microsoft.com/office/drawing/2014/main" id="{147A9C9A-39B4-4C4A-AD8B-842173E45832}"/>
-              </a:ext>
-            </a:extLst>
-          </p:cNvPr>
-          <p:cNvSpPr/>
-          <p:nvPr/>
-        </p:nvSpPr>
-        <p:spPr>
-          <a:xfrm>
-            <a:off x="6552904" y="3093554"/>
-            <a:ext cx="504056" cy="324722"/>
-          </a:xfrm>
-          <a:prstGeom prst="rect">
-            <a:avLst/>
-          </a:prstGeom>
-        </p:spPr>
-        <p:style>
-          <a:lnRef idx="2">
-            <a:schemeClr val="dk1"/>
-          </a:lnRef>
-          <a:fillRef idx="1">
-            <a:schemeClr val="lt1"/>
-          </a:fillRef>
-          <a:effectRef idx="0">
-            <a:schemeClr val="dk1"/>
-          </a:effectRef>
-          <a:fontRef idx="minor">
-            <a:schemeClr val="dk1"/>
-          </a:fontRef>
-        </p:style>
-        <p:txBody>
-          <a:bodyPr rtlCol="0" anchor="ctr"/>
-          <a:lstStyle/>
-          <a:p>
-            <a:pPr algn="ctr"/>
-            <a:r>
-              <a:rPr lang="en-US" altLang="ko-KR" sz="1050"/>
-              <a:t>Msg D</a:t>
-            </a:r>
-            <a:endParaRPr lang="ko-KR" altLang="en-US" sz="1200"/>
-          </a:p>
-        </p:txBody>
-      </p:sp>
       <p:sp>
         <p:nvSpPr>
           <p:cNvPr id="66" name="직사각형 65">
@@ -4945,7 +4218,7 @@
             <a:pPr algn="ctr"/>
             <a:r>
               <a:rPr lang="en-US" altLang="ko-KR" sz="1050"/>
-              <a:t>Msg F</a:t>
+              <a:t>Msg C</a:t>
             </a:r>
             <a:endParaRPr lang="ko-KR" altLang="en-US" sz="1200"/>
           </a:p>
@@ -4993,7 +4266,7 @@
             <a:pPr algn="ctr"/>
             <a:r>
               <a:rPr lang="en-US" altLang="ko-KR" sz="1050"/>
-              <a:t>Msg G</a:t>
+              <a:t>Msg D</a:t>
             </a:r>
             <a:endParaRPr lang="ko-KR" altLang="en-US" sz="1200"/>
           </a:p>
@@ -5095,10 +4368,10 @@
           <a:p>
             <a:pPr algn="ctr"/>
             <a:r>
-              <a:rPr lang="en-US" altLang="ko-KR" sz="1400"/>
+              <a:rPr lang="en-US" altLang="ko-KR" sz="1400" b="1"/>
               <a:t>RabbitMQ - RAM</a:t>
             </a:r>
-            <a:endParaRPr lang="ko-KR" altLang="en-US" sz="1400" dirty="0"/>
+            <a:endParaRPr lang="ko-KR" altLang="en-US" sz="1400" b="1" dirty="0"/>
           </a:p>
         </p:txBody>
       </p:sp>
@@ -5301,65 +4574,19 @@
           <p:cNvCxnSpPr>
             <a:cxnSpLocks/>
             <a:stCxn id="71" idx="3"/>
-            <a:endCxn id="73" idx="1"/>
+            <a:endCxn id="15" idx="1"/>
           </p:cNvCxnSpPr>
           <p:nvPr/>
         </p:nvCxnSpPr>
         <p:spPr>
-          <a:xfrm>
-            <a:off x="2426807" y="3329005"/>
-            <a:ext cx="143331" cy="1"/>
+          <a:xfrm flipV="1">
+            <a:off x="2426807" y="1096758"/>
+            <a:ext cx="2037617" cy="2232247"/>
           </a:xfrm>
           <a:prstGeom prst="straightConnector1">
             <a:avLst/>
           </a:prstGeom>
           <a:ln w="28575">
-            <a:tailEnd type="arrow"/>
-          </a:ln>
-        </p:spPr>
-        <p:style>
-          <a:lnRef idx="1">
-            <a:schemeClr val="dk1"/>
-          </a:lnRef>
-          <a:fillRef idx="0">
-            <a:schemeClr val="dk1"/>
-          </a:fillRef>
-          <a:effectRef idx="0">
-            <a:schemeClr val="dk1"/>
-          </a:effectRef>
-          <a:fontRef idx="minor">
-            <a:schemeClr val="tx1"/>
-          </a:fontRef>
-        </p:style>
-      </p:cxnSp>
-      <p:cxnSp>
-        <p:nvCxnSpPr>
-          <p:cNvPr id="77" name="직선 화살표 연결선 76">
-            <a:extLst>
-              <a:ext uri="{FF2B5EF4-FFF2-40B4-BE49-F238E27FC236}">
-                <a16:creationId xmlns:a16="http://schemas.microsoft.com/office/drawing/2014/main" id="{719B69B2-DE9A-4BC5-9D66-DAB918E14E8E}"/>
-              </a:ext>
-            </a:extLst>
-          </p:cNvPr>
-          <p:cNvCxnSpPr>
-            <a:cxnSpLocks/>
-            <a:stCxn id="73" idx="3"/>
-            <a:endCxn id="83" idx="1"/>
-          </p:cNvCxnSpPr>
-          <p:nvPr/>
-        </p:nvCxnSpPr>
-        <p:spPr>
-          <a:xfrm flipV="1">
-            <a:off x="3806977" y="1526837"/>
-            <a:ext cx="4455264" cy="1802169"/>
-          </a:xfrm>
-          <a:prstGeom prst="straightConnector1">
-            <a:avLst/>
-          </a:prstGeom>
-          <a:ln w="28575">
-            <a:solidFill>
-              <a:schemeClr val="tx2"/>
-            </a:solidFill>
             <a:tailEnd type="arrow"/>
           </a:ln>
         </p:spPr>
@@ -5448,52 +4675,6 @@
           <a:xfrm flipV="1">
             <a:off x="3806977" y="3905080"/>
             <a:ext cx="4455264" cy="276263"/>
-          </a:xfrm>
-          <a:prstGeom prst="straightConnector1">
-            <a:avLst/>
-          </a:prstGeom>
-          <a:ln w="28575">
-            <a:solidFill>
-              <a:schemeClr val="tx2"/>
-            </a:solidFill>
-            <a:tailEnd type="arrow"/>
-          </a:ln>
-        </p:spPr>
-        <p:style>
-          <a:lnRef idx="1">
-            <a:schemeClr val="dk1"/>
-          </a:lnRef>
-          <a:fillRef idx="0">
-            <a:schemeClr val="dk1"/>
-          </a:fillRef>
-          <a:effectRef idx="0">
-            <a:schemeClr val="dk1"/>
-          </a:effectRef>
-          <a:fontRef idx="minor">
-            <a:schemeClr val="tx1"/>
-          </a:fontRef>
-        </p:style>
-      </p:cxnSp>
-      <p:cxnSp>
-        <p:nvCxnSpPr>
-          <p:cNvPr id="81" name="직선 화살표 연결선 80">
-            <a:extLst>
-              <a:ext uri="{FF2B5EF4-FFF2-40B4-BE49-F238E27FC236}">
-                <a16:creationId xmlns:a16="http://schemas.microsoft.com/office/drawing/2014/main" id="{F26701BB-C097-4364-ACC5-806B958A2674}"/>
-              </a:ext>
-            </a:extLst>
-          </p:cNvPr>
-          <p:cNvCxnSpPr>
-            <a:cxnSpLocks/>
-            <a:stCxn id="73" idx="3"/>
-            <a:endCxn id="88" idx="1"/>
-          </p:cNvCxnSpPr>
-          <p:nvPr/>
-        </p:nvCxnSpPr>
-        <p:spPr>
-          <a:xfrm flipV="1">
-            <a:off x="3806977" y="2717707"/>
-            <a:ext cx="4455264" cy="611299"/>
           </a:xfrm>
           <a:prstGeom prst="straightConnector1">
             <a:avLst/>
@@ -5610,7 +4791,7 @@
             <a:pPr algn="ctr"/>
             <a:r>
               <a:rPr lang="en-US" altLang="ko-KR" sz="1050"/>
-              <a:t>Msg F</a:t>
+              <a:t>Msg C</a:t>
             </a:r>
             <a:endParaRPr lang="ko-KR" altLang="en-US" sz="1200"/>
           </a:p>
@@ -5658,7 +4839,7 @@
             <a:pPr algn="ctr"/>
             <a:r>
               <a:rPr lang="en-US" altLang="ko-KR" sz="1050"/>
-              <a:t>Msg G</a:t>
+              <a:t>Msg D</a:t>
             </a:r>
             <a:endParaRPr lang="ko-KR" altLang="en-US" sz="1200"/>
           </a:p>
@@ -5728,8 +4909,8 @@
         </p:nvSpPr>
         <p:spPr>
           <a:xfrm>
-            <a:off x="1089618" y="602940"/>
-            <a:ext cx="1250134" cy="400110"/>
+            <a:off x="1233634" y="639728"/>
+            <a:ext cx="1250134" cy="707886"/>
           </a:xfrm>
           <a:prstGeom prst="rect">
             <a:avLst/>
@@ -5742,11 +4923,12 @@
           </a:bodyPr>
           <a:lstStyle/>
           <a:p>
-            <a:pPr algn="ctr"/>
             <a:r>
               <a:rPr lang="en-US" altLang="ko-KR" sz="2000" b="1"/>
               <a:t>Cluster</a:t>
             </a:r>
+          </a:p>
+          <a:p>
             <a:endParaRPr lang="ko-KR" altLang="en-US" sz="2000" b="1"/>
           </a:p>
         </p:txBody>
@@ -5765,7 +4947,7 @@
         </p:nvSpPr>
         <p:spPr>
           <a:xfrm>
-            <a:off x="3995936" y="4155926"/>
+            <a:off x="4427984" y="4155926"/>
             <a:ext cx="1428156" cy="523220"/>
           </a:xfrm>
           <a:prstGeom prst="rect">
@@ -6003,185 +5185,6 @@
           </a:p>
         </p:txBody>
       </p:sp>
-      <p:cxnSp>
-        <p:nvCxnSpPr>
-          <p:cNvPr id="47" name="직선 화살표 연결선 46"/>
-          <p:cNvCxnSpPr>
-            <a:cxnSpLocks/>
-            <a:stCxn id="36" idx="3"/>
-            <a:endCxn id="89" idx="1"/>
-          </p:cNvCxnSpPr>
-          <p:nvPr/>
-        </p:nvCxnSpPr>
-        <p:spPr>
-          <a:xfrm>
-            <a:off x="5694839" y="1949095"/>
-            <a:ext cx="2567402" cy="1955985"/>
-          </a:xfrm>
-          <a:prstGeom prst="straightConnector1">
-            <a:avLst/>
-          </a:prstGeom>
-          <a:ln w="28575">
-            <a:solidFill>
-              <a:schemeClr val="tx2"/>
-            </a:solidFill>
-            <a:tailEnd type="arrow"/>
-          </a:ln>
-        </p:spPr>
-        <p:style>
-          <a:lnRef idx="1">
-            <a:schemeClr val="dk1"/>
-          </a:lnRef>
-          <a:fillRef idx="0">
-            <a:schemeClr val="dk1"/>
-          </a:fillRef>
-          <a:effectRef idx="0">
-            <a:schemeClr val="dk1"/>
-          </a:effectRef>
-          <a:fontRef idx="minor">
-            <a:schemeClr val="tx1"/>
-          </a:fontRef>
-        </p:style>
-      </p:cxnSp>
-      <p:cxnSp>
-        <p:nvCxnSpPr>
-          <p:cNvPr id="90" name="직선 화살표 연결선 89">
-            <a:extLst>
-              <a:ext uri="{FF2B5EF4-FFF2-40B4-BE49-F238E27FC236}">
-                <a16:creationId xmlns:a16="http://schemas.microsoft.com/office/drawing/2014/main" id="{094B2EA0-7D0A-4BF9-82A2-93F87BAC9281}"/>
-              </a:ext>
-            </a:extLst>
-          </p:cNvPr>
-          <p:cNvCxnSpPr>
-            <a:cxnSpLocks/>
-            <a:stCxn id="68" idx="3"/>
-            <a:endCxn id="53" idx="1"/>
-          </p:cNvCxnSpPr>
-          <p:nvPr/>
-        </p:nvCxnSpPr>
-        <p:spPr>
-          <a:xfrm>
-            <a:off x="844327" y="2717368"/>
-            <a:ext cx="4401069" cy="611637"/>
-          </a:xfrm>
-          <a:prstGeom prst="straightConnector1">
-            <a:avLst/>
-          </a:prstGeom>
-          <a:ln w="28575">
-            <a:solidFill>
-              <a:srgbClr val="C00000"/>
-            </a:solidFill>
-            <a:tailEnd type="arrow"/>
-          </a:ln>
-        </p:spPr>
-        <p:style>
-          <a:lnRef idx="1">
-            <a:schemeClr val="dk1"/>
-          </a:lnRef>
-          <a:fillRef idx="0">
-            <a:schemeClr val="dk1"/>
-          </a:fillRef>
-          <a:effectRef idx="0">
-            <a:schemeClr val="dk1"/>
-          </a:effectRef>
-          <a:fontRef idx="minor">
-            <a:schemeClr val="tx1"/>
-          </a:fontRef>
-        </p:style>
-      </p:cxnSp>
-      <p:cxnSp>
-        <p:nvCxnSpPr>
-          <p:cNvPr id="91" name="직선 화살표 연결선 90">
-            <a:extLst>
-              <a:ext uri="{FF2B5EF4-FFF2-40B4-BE49-F238E27FC236}">
-                <a16:creationId xmlns:a16="http://schemas.microsoft.com/office/drawing/2014/main" id="{DDEF2120-F512-4A18-9281-ADA471794823}"/>
-              </a:ext>
-            </a:extLst>
-          </p:cNvPr>
-          <p:cNvCxnSpPr>
-            <a:cxnSpLocks/>
-            <a:stCxn id="15" idx="2"/>
-            <a:endCxn id="73" idx="0"/>
-          </p:cNvCxnSpPr>
-          <p:nvPr/>
-        </p:nvCxnSpPr>
-        <p:spPr>
-          <a:xfrm flipH="1">
-            <a:off x="3188558" y="1457164"/>
-            <a:ext cx="1891074" cy="1511435"/>
-          </a:xfrm>
-          <a:prstGeom prst="straightConnector1">
-            <a:avLst/>
-          </a:prstGeom>
-          <a:ln w="28575">
-            <a:solidFill>
-              <a:schemeClr val="accent3"/>
-            </a:solidFill>
-            <a:prstDash val="dash"/>
-            <a:headEnd type="arrow" w="med" len="med"/>
-            <a:tailEnd type="arrow" w="med" len="med"/>
-          </a:ln>
-        </p:spPr>
-        <p:style>
-          <a:lnRef idx="1">
-            <a:schemeClr val="accent1"/>
-          </a:lnRef>
-          <a:fillRef idx="0">
-            <a:schemeClr val="accent1"/>
-          </a:fillRef>
-          <a:effectRef idx="0">
-            <a:schemeClr val="accent1"/>
-          </a:effectRef>
-          <a:fontRef idx="minor">
-            <a:schemeClr val="tx1"/>
-          </a:fontRef>
-        </p:style>
-      </p:cxnSp>
-      <p:sp>
-        <p:nvSpPr>
-          <p:cNvPr id="92" name="TextBox 91">
-            <a:extLst>
-              <a:ext uri="{FF2B5EF4-FFF2-40B4-BE49-F238E27FC236}">
-                <a16:creationId xmlns:a16="http://schemas.microsoft.com/office/drawing/2014/main" id="{D9ACAFC9-5C31-4462-B446-8C031BF4BC69}"/>
-              </a:ext>
-            </a:extLst>
-          </p:cNvPr>
-          <p:cNvSpPr txBox="1"/>
-          <p:nvPr/>
-        </p:nvSpPr>
-        <p:spPr>
-          <a:xfrm>
-            <a:off x="2915816" y="1760498"/>
-            <a:ext cx="1428156" cy="523220"/>
-          </a:xfrm>
-          <a:prstGeom prst="rect">
-            <a:avLst/>
-          </a:prstGeom>
-          <a:noFill/>
-        </p:spPr>
-        <p:txBody>
-          <a:bodyPr wrap="square" rtlCol="0" anchor="ctr">
-            <a:spAutoFit/>
-          </a:bodyPr>
-          <a:lstStyle/>
-          <a:p>
-            <a:pPr algn="ctr"/>
-            <a:r>
-              <a:rPr lang="en-US" altLang="ko-KR" sz="1400" b="1">
-                <a:solidFill>
-                  <a:schemeClr val="accent3"/>
-                </a:solidFill>
-              </a:rPr>
-              <a:t>Queue A Mirroring</a:t>
-            </a:r>
-            <a:endParaRPr lang="ko-KR" altLang="en-US" sz="1400" b="1">
-              <a:solidFill>
-                <a:schemeClr val="accent3"/>
-              </a:solidFill>
-            </a:endParaRPr>
-          </a:p>
-        </p:txBody>
-      </p:sp>
       <p:sp>
         <p:nvSpPr>
           <p:cNvPr id="124" name="직사각형 123">
@@ -6230,6 +5233,272 @@
           </a:p>
         </p:txBody>
       </p:sp>
+      <p:cxnSp>
+        <p:nvCxnSpPr>
+          <p:cNvPr id="57" name="직선 화살표 연결선 56">
+            <a:extLst>
+              <a:ext uri="{FF2B5EF4-FFF2-40B4-BE49-F238E27FC236}">
+                <a16:creationId xmlns:a16="http://schemas.microsoft.com/office/drawing/2014/main" id="{EE064FDA-0198-4640-9EF6-0FD871726A7E}"/>
+              </a:ext>
+            </a:extLst>
+          </p:cNvPr>
+          <p:cNvCxnSpPr>
+            <a:cxnSpLocks/>
+            <a:stCxn id="53" idx="2"/>
+          </p:cNvCxnSpPr>
+          <p:nvPr/>
+        </p:nvCxnSpPr>
+        <p:spPr>
+          <a:xfrm flipH="1">
+            <a:off x="3184860" y="3506625"/>
+            <a:ext cx="2590576" cy="314310"/>
+          </a:xfrm>
+          <a:prstGeom prst="straightConnector1">
+            <a:avLst/>
+          </a:prstGeom>
+          <a:ln w="28575">
+            <a:tailEnd type="arrow"/>
+          </a:ln>
+        </p:spPr>
+        <p:style>
+          <a:lnRef idx="1">
+            <a:schemeClr val="dk1"/>
+          </a:lnRef>
+          <a:fillRef idx="0">
+            <a:schemeClr val="dk1"/>
+          </a:fillRef>
+          <a:effectRef idx="0">
+            <a:schemeClr val="dk1"/>
+          </a:effectRef>
+          <a:fontRef idx="minor">
+            <a:schemeClr val="tx1"/>
+          </a:fontRef>
+        </p:style>
+      </p:cxnSp>
+      <p:cxnSp>
+        <p:nvCxnSpPr>
+          <p:cNvPr id="62" name="직선 화살표 연결선 61">
+            <a:extLst>
+              <a:ext uri="{FF2B5EF4-FFF2-40B4-BE49-F238E27FC236}">
+                <a16:creationId xmlns:a16="http://schemas.microsoft.com/office/drawing/2014/main" id="{9081E56E-FB24-461D-A7BB-14476F5F032B}"/>
+              </a:ext>
+            </a:extLst>
+          </p:cNvPr>
+          <p:cNvCxnSpPr>
+            <a:cxnSpLocks/>
+            <a:stCxn id="53" idx="0"/>
+            <a:endCxn id="15" idx="2"/>
+          </p:cNvCxnSpPr>
+          <p:nvPr/>
+        </p:nvCxnSpPr>
+        <p:spPr>
+          <a:xfrm flipH="1" flipV="1">
+            <a:off x="5079632" y="1457164"/>
+            <a:ext cx="695804" cy="1694220"/>
+          </a:xfrm>
+          <a:prstGeom prst="straightConnector1">
+            <a:avLst/>
+          </a:prstGeom>
+          <a:ln w="28575">
+            <a:tailEnd type="arrow"/>
+          </a:ln>
+        </p:spPr>
+        <p:style>
+          <a:lnRef idx="1">
+            <a:schemeClr val="dk1"/>
+          </a:lnRef>
+          <a:fillRef idx="0">
+            <a:schemeClr val="dk1"/>
+          </a:fillRef>
+          <a:effectRef idx="0">
+            <a:schemeClr val="dk1"/>
+          </a:effectRef>
+          <a:fontRef idx="minor">
+            <a:schemeClr val="tx1"/>
+          </a:fontRef>
+        </p:style>
+      </p:cxnSp>
+      <p:cxnSp>
+        <p:nvCxnSpPr>
+          <p:cNvPr id="65" name="직선 화살표 연결선 64">
+            <a:extLst>
+              <a:ext uri="{FF2B5EF4-FFF2-40B4-BE49-F238E27FC236}">
+                <a16:creationId xmlns:a16="http://schemas.microsoft.com/office/drawing/2014/main" id="{3DEFD7A4-71C1-472E-A899-7EE5DFEFC7BE}"/>
+              </a:ext>
+            </a:extLst>
+          </p:cNvPr>
+          <p:cNvCxnSpPr>
+            <a:cxnSpLocks/>
+            <a:stCxn id="11" idx="2"/>
+            <a:endCxn id="78" idx="0"/>
+          </p:cNvCxnSpPr>
+          <p:nvPr/>
+        </p:nvCxnSpPr>
+        <p:spPr>
+          <a:xfrm flipH="1">
+            <a:off x="3188558" y="1274377"/>
+            <a:ext cx="596071" cy="2546558"/>
+          </a:xfrm>
+          <a:prstGeom prst="straightConnector1">
+            <a:avLst/>
+          </a:prstGeom>
+          <a:ln w="28575">
+            <a:tailEnd type="arrow"/>
+          </a:ln>
+        </p:spPr>
+        <p:style>
+          <a:lnRef idx="1">
+            <a:schemeClr val="dk1"/>
+          </a:lnRef>
+          <a:fillRef idx="0">
+            <a:schemeClr val="dk1"/>
+          </a:fillRef>
+          <a:effectRef idx="0">
+            <a:schemeClr val="dk1"/>
+          </a:effectRef>
+          <a:fontRef idx="minor">
+            <a:schemeClr val="tx1"/>
+          </a:fontRef>
+        </p:style>
+      </p:cxnSp>
+      <p:cxnSp>
+        <p:nvCxnSpPr>
+          <p:cNvPr id="67" name="직선 화살표 연결선 66">
+            <a:extLst>
+              <a:ext uri="{FF2B5EF4-FFF2-40B4-BE49-F238E27FC236}">
+                <a16:creationId xmlns:a16="http://schemas.microsoft.com/office/drawing/2014/main" id="{7FC2F29E-9B1D-4D5A-ADD9-479616470782}"/>
+              </a:ext>
+            </a:extLst>
+          </p:cNvPr>
+          <p:cNvCxnSpPr>
+            <a:cxnSpLocks/>
+            <a:stCxn id="15" idx="3"/>
+            <a:endCxn id="83" idx="1"/>
+          </p:cNvCxnSpPr>
+          <p:nvPr/>
+        </p:nvCxnSpPr>
+        <p:spPr>
+          <a:xfrm>
+            <a:off x="5694839" y="1096758"/>
+            <a:ext cx="2567402" cy="430079"/>
+          </a:xfrm>
+          <a:prstGeom prst="straightConnector1">
+            <a:avLst/>
+          </a:prstGeom>
+          <a:ln w="28575">
+            <a:solidFill>
+              <a:schemeClr val="tx2"/>
+            </a:solidFill>
+            <a:tailEnd type="arrow"/>
+          </a:ln>
+        </p:spPr>
+        <p:style>
+          <a:lnRef idx="1">
+            <a:schemeClr val="dk1"/>
+          </a:lnRef>
+          <a:fillRef idx="0">
+            <a:schemeClr val="dk1"/>
+          </a:fillRef>
+          <a:effectRef idx="0">
+            <a:schemeClr val="dk1"/>
+          </a:effectRef>
+          <a:fontRef idx="minor">
+            <a:schemeClr val="tx1"/>
+          </a:fontRef>
+        </p:style>
+      </p:cxnSp>
+      <p:cxnSp>
+        <p:nvCxnSpPr>
+          <p:cNvPr id="70" name="직선 화살표 연결선 69">
+            <a:extLst>
+              <a:ext uri="{FF2B5EF4-FFF2-40B4-BE49-F238E27FC236}">
+                <a16:creationId xmlns:a16="http://schemas.microsoft.com/office/drawing/2014/main" id="{1285359F-212C-478F-B8CD-F53C7CC4B046}"/>
+              </a:ext>
+            </a:extLst>
+          </p:cNvPr>
+          <p:cNvCxnSpPr>
+            <a:cxnSpLocks/>
+            <a:stCxn id="15" idx="2"/>
+          </p:cNvCxnSpPr>
+          <p:nvPr/>
+        </p:nvCxnSpPr>
+        <p:spPr>
+          <a:xfrm flipH="1">
+            <a:off x="3184860" y="1457164"/>
+            <a:ext cx="1894772" cy="1511435"/>
+          </a:xfrm>
+          <a:prstGeom prst="straightConnector1">
+            <a:avLst/>
+          </a:prstGeom>
+          <a:ln w="28575">
+            <a:solidFill>
+              <a:schemeClr val="accent3"/>
+            </a:solidFill>
+            <a:prstDash val="dash"/>
+            <a:headEnd type="arrow" w="med" len="med"/>
+            <a:tailEnd type="arrow" w="med" len="med"/>
+          </a:ln>
+        </p:spPr>
+        <p:style>
+          <a:lnRef idx="1">
+            <a:schemeClr val="accent1"/>
+          </a:lnRef>
+          <a:fillRef idx="0">
+            <a:schemeClr val="accent1"/>
+          </a:fillRef>
+          <a:effectRef idx="0">
+            <a:schemeClr val="accent1"/>
+          </a:effectRef>
+          <a:fontRef idx="minor">
+            <a:schemeClr val="tx1"/>
+          </a:fontRef>
+        </p:style>
+      </p:cxnSp>
+      <p:sp>
+        <p:nvSpPr>
+          <p:cNvPr id="72" name="TextBox 71">
+            <a:extLst>
+              <a:ext uri="{FF2B5EF4-FFF2-40B4-BE49-F238E27FC236}">
+                <a16:creationId xmlns:a16="http://schemas.microsoft.com/office/drawing/2014/main" id="{D0FDFB46-6D97-4574-A384-790431C18707}"/>
+              </a:ext>
+            </a:extLst>
+          </p:cNvPr>
+          <p:cNvSpPr txBox="1"/>
+          <p:nvPr/>
+        </p:nvSpPr>
+        <p:spPr>
+          <a:xfrm>
+            <a:off x="3719908" y="1707654"/>
+            <a:ext cx="1428156" cy="523220"/>
+          </a:xfrm>
+          <a:prstGeom prst="rect">
+            <a:avLst/>
+          </a:prstGeom>
+          <a:noFill/>
+        </p:spPr>
+        <p:txBody>
+          <a:bodyPr wrap="square" rtlCol="0" anchor="ctr">
+            <a:spAutoFit/>
+          </a:bodyPr>
+          <a:lstStyle/>
+          <a:p>
+            <a:pPr algn="ctr"/>
+            <a:r>
+              <a:rPr lang="en-US" altLang="ko-KR" sz="1400" b="1">
+                <a:solidFill>
+                  <a:schemeClr val="accent3"/>
+                </a:solidFill>
+              </a:rPr>
+              <a:t>Queue A Mirroring</a:t>
+            </a:r>
+            <a:endParaRPr lang="ko-KR" altLang="en-US" sz="1400" b="1">
+              <a:solidFill>
+                <a:schemeClr val="accent3"/>
+              </a:solidFill>
+            </a:endParaRPr>
+          </a:p>
+        </p:txBody>
+      </p:sp>
     </p:spTree>
     <p:extLst>
       <p:ext uri="{BB962C8B-B14F-4D97-AF65-F5344CB8AC3E}">
@@ -6260,40 +5529,10 @@
           <a:chExt cx="0" cy="0"/>
         </a:xfrm>
       </p:grpSpPr>
-      <p:sp>
-        <p:nvSpPr>
-          <p:cNvPr id="6" name="제목 1"/>
-          <p:cNvSpPr>
-            <a:spLocks noGrp="1"/>
-          </p:cNvSpPr>
-          <p:nvPr>
-            <p:ph type="title"/>
-          </p:nvPr>
-        </p:nvSpPr>
-        <p:spPr>
-          <a:xfrm>
-            <a:off x="457200" y="-308570"/>
-            <a:ext cx="8229600" cy="857250"/>
-          </a:xfrm>
-        </p:spPr>
-        <p:txBody>
-          <a:bodyPr>
-            <a:normAutofit/>
-          </a:bodyPr>
-          <a:lstStyle/>
-          <a:p>
-            <a:r>
-              <a:rPr lang="en-US" altLang="ko-KR"/>
-              <a:t>RabbitMQ Client</a:t>
-            </a:r>
-            <a:endParaRPr lang="ko-KR" altLang="en-US" dirty="0"/>
-          </a:p>
-        </p:txBody>
-      </p:sp>
     </p:spTree>
     <p:extLst>
       <p:ext uri="{BB962C8B-B14F-4D97-AF65-F5344CB8AC3E}">
-        <p14:creationId xmlns:p14="http://schemas.microsoft.com/office/powerpoint/2010/main" val="556060230"/>
+        <p14:creationId xmlns:p14="http://schemas.microsoft.com/office/powerpoint/2010/main" val="376469993"/>
       </p:ext>
     </p:extLst>
   </p:cSld>
@@ -8900,66 +8139,6 @@
 </file>
 
 <file path=ppt/slides/slide4.xml><?xml version="1.0" encoding="utf-8"?>
-<p:sld xmlns:a="http://schemas.openxmlformats.org/drawingml/2006/main" xmlns:r="http://schemas.openxmlformats.org/officeDocument/2006/relationships" xmlns:p="http://schemas.openxmlformats.org/presentationml/2006/main">
-  <p:cSld>
-    <p:spTree>
-      <p:nvGrpSpPr>
-        <p:cNvPr id="1" name=""/>
-        <p:cNvGrpSpPr/>
-        <p:nvPr/>
-      </p:nvGrpSpPr>
-      <p:grpSpPr>
-        <a:xfrm>
-          <a:off x="0" y="0"/>
-          <a:ext cx="0" cy="0"/>
-          <a:chOff x="0" y="0"/>
-          <a:chExt cx="0" cy="0"/>
-        </a:xfrm>
-      </p:grpSpPr>
-      <p:sp>
-        <p:nvSpPr>
-          <p:cNvPr id="6" name="제목 1"/>
-          <p:cNvSpPr>
-            <a:spLocks noGrp="1"/>
-          </p:cNvSpPr>
-          <p:nvPr>
-            <p:ph type="title"/>
-          </p:nvPr>
-        </p:nvSpPr>
-        <p:spPr>
-          <a:xfrm>
-            <a:off x="457200" y="-308570"/>
-            <a:ext cx="8229600" cy="857250"/>
-          </a:xfrm>
-        </p:spPr>
-        <p:txBody>
-          <a:bodyPr>
-            <a:normAutofit/>
-          </a:bodyPr>
-          <a:lstStyle/>
-          <a:p>
-            <a:r>
-              <a:rPr lang="en-US" altLang="ko-KR"/>
-              <a:t>RabbitMQ Client</a:t>
-            </a:r>
-            <a:endParaRPr lang="ko-KR" altLang="en-US" dirty="0"/>
-          </a:p>
-        </p:txBody>
-      </p:sp>
-    </p:spTree>
-    <p:extLst>
-      <p:ext uri="{BB962C8B-B14F-4D97-AF65-F5344CB8AC3E}">
-        <p14:creationId xmlns:p14="http://schemas.microsoft.com/office/powerpoint/2010/main" val="1817229475"/>
-      </p:ext>
-    </p:extLst>
-  </p:cSld>
-  <p:clrMapOvr>
-    <a:masterClrMapping/>
-  </p:clrMapOvr>
-</p:sld>
-</file>
-
-<file path=ppt/slides/slide5.xml><?xml version="1.0" encoding="utf-8"?>
 <p:sld xmlns:a="http://schemas.openxmlformats.org/drawingml/2006/main" xmlns:r="http://schemas.openxmlformats.org/officeDocument/2006/relationships" xmlns:p="http://schemas.openxmlformats.org/presentationml/2006/main">
   <p:cSld>
     <p:spTree>
